--- a/Documentatie/Park ‘n Volt.pptx
+++ b/Documentatie/Park ‘n Volt.pptx
@@ -109,6 +109,11 @@
       </a:defRPr>
     </a:lvl9pPr>
   </p:defaultTextStyle>
+  <p:extLst>
+    <p:ext uri="{EFAFB233-063F-42B5-8137-9DF3F51BA10A}">
+      <p15:sldGuideLst xmlns:p15="http://schemas.microsoft.com/office/powerpoint/2012/main"/>
+    </p:ext>
+  </p:extLst>
 </p:presentation>
 </file>
 
@@ -3171,7 +3176,9 @@
             </a:endParaRPr>
           </a:p>
           <a:p>
-            <a:pPr lvl="1"/>
+            <a:pPr marL="457200" lvl="1" indent="0">
+              <a:buNone/>
+            </a:pPr>
             <a:r>
               <a:rPr lang="nl-NL" dirty="0">
                 <a:solidFill>
@@ -3183,7 +3190,9 @@
             </a:r>
           </a:p>
           <a:p>
-            <a:pPr lvl="1"/>
+            <a:pPr marL="457200" lvl="1" indent="0">
+              <a:buNone/>
+            </a:pPr>
             <a:r>
               <a:rPr lang="nl-NL" dirty="0">
                 <a:solidFill>
@@ -3195,7 +3204,9 @@
             </a:r>
           </a:p>
           <a:p>
-            <a:pPr lvl="1"/>
+            <a:pPr marL="457200" lvl="1" indent="0">
+              <a:buNone/>
+            </a:pPr>
             <a:r>
               <a:rPr lang="nl-NL" dirty="0">
                 <a:solidFill>
@@ -3813,7 +3824,7 @@
           <a:lstStyle/>
           <a:p>
             <a:r>
-              <a:rPr lang="nl-NL" dirty="0" err="1">
+              <a:rPr lang="nl-NL" dirty="0">
                 <a:solidFill>
                   <a:schemeClr val="bg1"/>
                 </a:solidFill>
@@ -3821,6 +3832,41 @@
               </a:rPr>
               <a:t>Parse</a:t>
             </a:r>
+          </a:p>
+        </p:txBody>
+      </p:sp>
+      <p:sp>
+        <p:nvSpPr>
+          <p:cNvPr id="3" name="Tijdelijke aanduiding voor inhoud 2"/>
+          <p:cNvSpPr>
+            <a:spLocks noGrp="1"/>
+          </p:cNvSpPr>
+          <p:nvPr>
+            <p:ph idx="1"/>
+          </p:nvPr>
+        </p:nvSpPr>
+        <p:spPr/>
+        <p:txBody>
+          <a:bodyPr/>
+          <a:lstStyle/>
+          <a:p>
+            <a:pPr marL="0" indent="0">
+              <a:buNone/>
+            </a:pPr>
+            <a:r>
+              <a:rPr lang="nl-NL" dirty="0">
+                <a:solidFill>
+                  <a:schemeClr val="bg1"/>
+                </a:solidFill>
+                <a:latin typeface="Roboto"/>
+              </a:rPr>
+              <a:t>4.217.128.447.254       4217128447254        4. 217128447254</a:t>
+            </a:r>
+          </a:p>
+          <a:p>
+            <a:pPr marL="0" indent="0">
+              <a:buNone/>
+            </a:pPr>
             <a:endParaRPr lang="nl-NL" dirty="0">
               <a:solidFill>
                 <a:schemeClr val="bg1"/>
@@ -3828,27 +3874,93 @@
               <a:latin typeface="Roboto"/>
             </a:endParaRPr>
           </a:p>
-        </p:txBody>
-      </p:sp>
-      <p:sp>
-        <p:nvSpPr>
-          <p:cNvPr id="3" name="Tijdelijke aanduiding voor inhoud 2"/>
-          <p:cNvSpPr>
-            <a:spLocks noGrp="1"/>
-          </p:cNvSpPr>
-          <p:nvPr>
-            <p:ph idx="1"/>
-          </p:nvPr>
-        </p:nvSpPr>
-        <p:spPr/>
-        <p:txBody>
-          <a:bodyPr/>
-          <a:lstStyle/>
-          <a:p>
-            <a:endParaRPr lang="nl-NL"/>
-          </a:p>
-        </p:txBody>
-      </p:sp>
+          <a:p>
+            <a:pPr marL="0" indent="0">
+              <a:buNone/>
+            </a:pPr>
+            <a:r>
+              <a:rPr lang="nl-NL" dirty="0">
+                <a:solidFill>
+                  <a:schemeClr val="bg1"/>
+                </a:solidFill>
+                <a:latin typeface="Roboto"/>
+              </a:rPr>
+              <a:t>Duplicaten verwijderen</a:t>
+            </a:r>
+          </a:p>
+          <a:p>
+            <a:pPr marL="0" indent="0">
+              <a:buNone/>
+            </a:pPr>
+            <a:endParaRPr lang="nl-NL" dirty="0">
+              <a:solidFill>
+                <a:schemeClr val="bg1"/>
+              </a:solidFill>
+              <a:latin typeface="Roboto"/>
+            </a:endParaRPr>
+          </a:p>
+        </p:txBody>
+      </p:sp>
+      <p:pic>
+        <p:nvPicPr>
+          <p:cNvPr id="5" name="Afbeelding 4"/>
+          <p:cNvPicPr>
+            <a:picLocks noChangeAspect="1"/>
+          </p:cNvPicPr>
+          <p:nvPr/>
+        </p:nvPicPr>
+        <p:blipFill>
+          <a:blip r:embed="rId2">
+            <a:extLst>
+              <a:ext uri="{28A0092B-C50C-407E-A947-70E740481C1C}">
+                <a14:useLocalDpi xmlns:a14="http://schemas.microsoft.com/office/drawing/2010/main" val="0"/>
+              </a:ext>
+            </a:extLst>
+          </a:blip>
+          <a:stretch>
+            <a:fillRect/>
+          </a:stretch>
+        </p:blipFill>
+        <p:spPr>
+          <a:xfrm>
+            <a:off x="4016062" y="1825625"/>
+            <a:ext cx="468000" cy="468000"/>
+          </a:xfrm>
+          <a:prstGeom prst="rect">
+            <a:avLst/>
+          </a:prstGeom>
+        </p:spPr>
+      </p:pic>
+      <p:pic>
+        <p:nvPicPr>
+          <p:cNvPr id="6" name="Afbeelding 5"/>
+          <p:cNvPicPr>
+            <a:picLocks noChangeAspect="1"/>
+          </p:cNvPicPr>
+          <p:nvPr/>
+        </p:nvPicPr>
+        <p:blipFill>
+          <a:blip r:embed="rId2">
+            <a:extLst>
+              <a:ext uri="{28A0092B-C50C-407E-A947-70E740481C1C}">
+                <a14:useLocalDpi xmlns:a14="http://schemas.microsoft.com/office/drawing/2010/main" val="0"/>
+              </a:ext>
+            </a:extLst>
+          </a:blip>
+          <a:stretch>
+            <a:fillRect/>
+          </a:stretch>
+        </p:blipFill>
+        <p:spPr>
+          <a:xfrm>
+            <a:off x="7323792" y="1810598"/>
+            <a:ext cx="468000" cy="468000"/>
+          </a:xfrm>
+          <a:prstGeom prst="rect">
+            <a:avLst/>
+          </a:prstGeom>
+        </p:spPr>
+      </p:pic>
     </p:spTree>
     <p:extLst>
       <p:ext uri="{BB962C8B-B14F-4D97-AF65-F5344CB8AC3E}">
@@ -3995,30 +4107,70 @@
                 </a:solidFill>
                 <a:latin typeface="Roboto"/>
               </a:rPr>
-              <a:t>Afronding</a:t>
-            </a:r>
-          </a:p>
-        </p:txBody>
-      </p:sp>
-      <p:sp>
-        <p:nvSpPr>
-          <p:cNvPr id="3" name="Tijdelijke aanduiding voor inhoud 2"/>
-          <p:cNvSpPr>
-            <a:spLocks noGrp="1"/>
-          </p:cNvSpPr>
+              <a:t>Afsluiting</a:t>
+            </a:r>
+          </a:p>
+        </p:txBody>
+      </p:sp>
+      <p:pic>
+        <p:nvPicPr>
+          <p:cNvPr id="5" name="Tijdelijke aanduiding voor inhoud 4"/>
+          <p:cNvPicPr>
+            <a:picLocks noGrp="1" noChangeAspect="1"/>
+          </p:cNvPicPr>
           <p:nvPr>
             <p:ph idx="1"/>
           </p:nvPr>
-        </p:nvSpPr>
-        <p:spPr/>
-        <p:txBody>
-          <a:bodyPr/>
-          <a:lstStyle/>
-          <a:p>
-            <a:endParaRPr lang="nl-NL"/>
-          </a:p>
-        </p:txBody>
-      </p:sp>
+        </p:nvPicPr>
+        <p:blipFill>
+          <a:blip r:embed="rId2">
+            <a:extLst>
+              <a:ext uri="{28A0092B-C50C-407E-A947-70E740481C1C}">
+                <a14:useLocalDpi xmlns:a14="http://schemas.microsoft.com/office/drawing/2010/main" val="0"/>
+              </a:ext>
+            </a:extLst>
+          </a:blip>
+          <a:stretch>
+            <a:fillRect/>
+          </a:stretch>
+        </p:blipFill>
+        <p:spPr>
+          <a:xfrm>
+            <a:off x="6200552" y="2588654"/>
+            <a:ext cx="1583462" cy="1583462"/>
+          </a:xfrm>
+        </p:spPr>
+      </p:pic>
+      <p:pic>
+        <p:nvPicPr>
+          <p:cNvPr id="9" name="Afbeelding 8"/>
+          <p:cNvPicPr>
+            <a:picLocks noChangeAspect="1"/>
+          </p:cNvPicPr>
+          <p:nvPr/>
+        </p:nvPicPr>
+        <p:blipFill>
+          <a:blip r:embed="rId3">
+            <a:extLst>
+              <a:ext uri="{28A0092B-C50C-407E-A947-70E740481C1C}">
+                <a14:useLocalDpi xmlns:a14="http://schemas.microsoft.com/office/drawing/2010/main" val="0"/>
+              </a:ext>
+            </a:extLst>
+          </a:blip>
+          <a:stretch>
+            <a:fillRect/>
+          </a:stretch>
+        </p:blipFill>
+        <p:spPr>
+          <a:xfrm>
+            <a:off x="4634248" y="2480385"/>
+            <a:ext cx="1800000" cy="1800000"/>
+          </a:xfrm>
+          <a:prstGeom prst="rect">
+            <a:avLst/>
+          </a:prstGeom>
+        </p:spPr>
+      </p:pic>
     </p:spTree>
     <p:extLst>
       <p:ext uri="{BB962C8B-B14F-4D97-AF65-F5344CB8AC3E}">
